--- a/Entregables/Arquitectura por capas/Presentacion.pptx
+++ b/Entregables/Arquitectura por capas/Presentacion.pptx
@@ -7,11 +7,8 @@
   <p:sldIdLst>
     <p:sldId id="256" r:id="rId2"/>
     <p:sldId id="257" r:id="rId3"/>
-    <p:sldId id="258" r:id="rId4"/>
-    <p:sldId id="259" r:id="rId5"/>
-    <p:sldId id="260" r:id="rId6"/>
-    <p:sldId id="261" r:id="rId7"/>
-    <p:sldId id="262" r:id="rId8"/>
+    <p:sldId id="259" r:id="rId4"/>
+    <p:sldId id="261" r:id="rId5"/>
   </p:sldIdLst>
   <p:sldSz cx="12192000" cy="6858000"/>
   <p:notesSz cx="6858000" cy="9144000"/>
@@ -110,6 +107,11 @@
       </a:defRPr>
     </a:lvl9pPr>
   </p:defaultTextStyle>
+  <p:extLst>
+    <p:ext uri="{EFAFB233-063F-42B5-8137-9DF3F51BA10A}">
+      <p15:sldGuideLst xmlns:p15="http://schemas.microsoft.com/office/powerpoint/2012/main"/>
+    </p:ext>
+  </p:extLst>
 </p:presentation>
 </file>
 
@@ -679,7 +681,7 @@
           <a:p>
             <a:fld id="{97BFF81C-1FCB-4DBA-8044-F1A0FCFD45A6}" type="datetime1">
               <a:rPr lang="en-US" smtClean="0"/>
-              <a:t>12/6/2020</a:t>
+              <a:t>12/11/2020</a:t>
             </a:fld>
             <a:endParaRPr lang="en-US" dirty="0"/>
           </a:p>
@@ -1358,7 +1360,7 @@
           <a:p>
             <a:fld id="{FB9092B3-2D87-4CDF-B84B-C46E5F5D31F7}" type="datetime1">
               <a:rPr lang="en-US" smtClean="0"/>
-              <a:t>12/6/2020</a:t>
+              <a:t>12/11/2020</a:t>
             </a:fld>
             <a:endParaRPr lang="en-US" dirty="0"/>
           </a:p>
@@ -2047,7 +2049,7 @@
           <a:p>
             <a:fld id="{3D769E57-47B1-47B0-B526-3153E4B1E729}" type="datetime1">
               <a:rPr lang="en-US" smtClean="0"/>
-              <a:t>12/6/2020</a:t>
+              <a:t>12/11/2020</a:t>
             </a:fld>
             <a:endParaRPr lang="en-US" dirty="0"/>
           </a:p>
@@ -2726,7 +2728,7 @@
           <a:p>
             <a:fld id="{5A87773D-8987-489A-A650-3D6F7D5C7C38}" type="datetime1">
               <a:rPr lang="en-US" smtClean="0"/>
-              <a:t>12/6/2020</a:t>
+              <a:t>12/11/2020</a:t>
             </a:fld>
             <a:endParaRPr lang="en-US" dirty="0"/>
           </a:p>
@@ -3481,7 +3483,7 @@
           <a:p>
             <a:fld id="{97E150C1-1D78-4D80-810D-E9E86F6E88AB}" type="datetime1">
               <a:rPr lang="en-US" smtClean="0"/>
-              <a:t>12/6/2020</a:t>
+              <a:t>12/11/2020</a:t>
             </a:fld>
             <a:endParaRPr lang="en-US" dirty="0"/>
           </a:p>
@@ -4228,7 +4230,7 @@
           <a:p>
             <a:fld id="{29E9CBD8-1588-4B6B-B74D-87480DDE94C0}" type="datetime1">
               <a:rPr lang="en-US" smtClean="0"/>
-              <a:t>12/6/2020</a:t>
+              <a:t>12/11/2020</a:t>
             </a:fld>
             <a:endParaRPr lang="en-US" dirty="0"/>
           </a:p>
@@ -5122,7 +5124,7 @@
           <a:p>
             <a:fld id="{AD794440-721C-4D75-BD4F-4CFB3D51CDCA}" type="datetime1">
               <a:rPr lang="en-US" smtClean="0"/>
-              <a:t>12/6/2020</a:t>
+              <a:t>12/11/2020</a:t>
             </a:fld>
             <a:endParaRPr lang="en-US" dirty="0"/>
           </a:p>
@@ -5743,7 +5745,7 @@
           <a:p>
             <a:fld id="{B2701A64-483B-4532-94FB-D8F90CB6DEE0}" type="datetime1">
               <a:rPr lang="en-US" smtClean="0"/>
-              <a:t>12/6/2020</a:t>
+              <a:t>12/11/2020</a:t>
             </a:fld>
             <a:endParaRPr lang="en-US" dirty="0"/>
           </a:p>
@@ -6335,7 +6337,7 @@
           <a:p>
             <a:fld id="{6F18FB39-20FB-4E2E-B861-45B709B9C3C5}" type="datetime1">
               <a:rPr lang="en-US" smtClean="0"/>
-              <a:t>12/6/2020</a:t>
+              <a:t>12/11/2020</a:t>
             </a:fld>
             <a:endParaRPr lang="en-US" dirty="0"/>
           </a:p>
@@ -7127,7 +7129,7 @@
           <a:p>
             <a:fld id="{AC48AC19-8BD6-476C-9770-8884373BCF00}" type="datetime1">
               <a:rPr lang="en-US" smtClean="0"/>
-              <a:t>12/6/2020</a:t>
+              <a:t>12/11/2020</a:t>
             </a:fld>
             <a:endParaRPr lang="en-US"/>
           </a:p>
@@ -7899,7 +7901,7 @@
           <a:p>
             <a:fld id="{F3F68C53-8AD1-4F09-9486-FB3406B99CFA}" type="datetime1">
               <a:rPr lang="en-US" smtClean="0"/>
-              <a:t>12/6/2020</a:t>
+              <a:t>12/11/2020</a:t>
             </a:fld>
             <a:endParaRPr lang="en-US" dirty="0"/>
           </a:p>
@@ -8210,7 +8212,7 @@
             <a:fld id="{BA543EDD-D0D2-447F-B24F-3717AF4B109D}" type="datetime1">
               <a:rPr lang="en-US" smtClean="0"/>
               <a:pPr/>
-              <a:t>12/6/2020</a:t>
+              <a:t>12/11/2020</a:t>
             </a:fld>
             <a:endParaRPr lang="en-US" dirty="0"/>
           </a:p>
@@ -8652,7 +8654,7 @@
                 <a16:creationId xmlns:a16="http://schemas.microsoft.com/office/drawing/2014/main" id="{489B7BFD-8F45-4093-AD9C-91B15B0503D9}"/>
               </a:ext>
               <a:ext uri="{C183D7F6-B498-43B3-948B-1728B52AA6E4}">
-                <adec:decorative xmlns:adec="http://schemas.microsoft.com/office/drawing/2017/decorative" val="1"/>
+                <adec:decorative xmlns:adec="http://schemas.microsoft.com/office/drawing/2017/decorative" xmlns="" val="1"/>
               </a:ext>
             </a:extLst>
           </p:cNvPr>
@@ -8712,7 +8714,7 @@
                 <a16:creationId xmlns:a16="http://schemas.microsoft.com/office/drawing/2014/main" id="{042BC7E5-76DB-4826-8C07-4A49B6353F76}"/>
               </a:ext>
               <a:ext uri="{C183D7F6-B498-43B3-948B-1728B52AA6E4}">
-                <adec:decorative xmlns:adec="http://schemas.microsoft.com/office/drawing/2017/decorative" val="1"/>
+                <adec:decorative xmlns:adec="http://schemas.microsoft.com/office/drawing/2017/decorative" xmlns="" val="1"/>
               </a:ext>
             </a:extLst>
           </p:cNvPr>
@@ -8746,7 +8748,7 @@
                   <a16:creationId xmlns:a16="http://schemas.microsoft.com/office/drawing/2014/main" id="{E16C8D8F-10E9-4498-ABDB-0F923F8B6837}"/>
                 </a:ext>
                 <a:ext uri="{C183D7F6-B498-43B3-948B-1728B52AA6E4}">
-                  <adec:decorative xmlns:adec="http://schemas.microsoft.com/office/drawing/2017/decorative" val="1"/>
+                  <adec:decorative xmlns:adec="http://schemas.microsoft.com/office/drawing/2017/decorative" xmlns="" val="1"/>
                 </a:ext>
               </a:extLst>
             </p:cNvPr>
@@ -8947,7 +8949,7 @@
                   <a16:creationId xmlns:a16="http://schemas.microsoft.com/office/drawing/2014/main" id="{1E5A83E3-8A11-4492-BB6E-F5F2240316FB}"/>
                 </a:ext>
                 <a:ext uri="{C183D7F6-B498-43B3-948B-1728B52AA6E4}">
-                  <adec:decorative xmlns:adec="http://schemas.microsoft.com/office/drawing/2017/decorative" val="1"/>
+                  <adec:decorative xmlns:adec="http://schemas.microsoft.com/office/drawing/2017/decorative" xmlns="" val="1"/>
                 </a:ext>
               </a:extLst>
             </p:cNvPr>
@@ -9149,7 +9151,7 @@
                 <a16:creationId xmlns:a16="http://schemas.microsoft.com/office/drawing/2014/main" id="{498F8FF6-43B4-494A-AF8F-123A4983EDF7}"/>
               </a:ext>
               <a:ext uri="{C183D7F6-B498-43B3-948B-1728B52AA6E4}">
-                <adec:decorative xmlns:adec="http://schemas.microsoft.com/office/drawing/2017/decorative" val="1"/>
+                <adec:decorative xmlns:adec="http://schemas.microsoft.com/office/drawing/2017/decorative" xmlns="" val="1"/>
               </a:ext>
             </a:extLst>
           </p:cNvPr>
@@ -9287,7 +9289,7 @@
                 <a16:creationId xmlns:a16="http://schemas.microsoft.com/office/drawing/2014/main" id="{2B06059C-C357-4011-82B9-9C0106301384}"/>
               </a:ext>
               <a:ext uri="{C183D7F6-B498-43B3-948B-1728B52AA6E4}">
-                <adec:decorative xmlns:adec="http://schemas.microsoft.com/office/drawing/2017/decorative" val="1"/>
+                <adec:decorative xmlns:adec="http://schemas.microsoft.com/office/drawing/2017/decorative" xmlns="" val="1"/>
               </a:ext>
             </a:extLst>
           </p:cNvPr>
@@ -9429,7 +9431,7 @@
                 <a16:creationId xmlns:a16="http://schemas.microsoft.com/office/drawing/2014/main" id="{5AFEC601-A132-47EE-B0C2-B38ACD9FCE6F}"/>
               </a:ext>
               <a:ext uri="{C183D7F6-B498-43B3-948B-1728B52AA6E4}">
-                <adec:decorative xmlns:adec="http://schemas.microsoft.com/office/drawing/2017/decorative" val="1"/>
+                <adec:decorative xmlns:adec="http://schemas.microsoft.com/office/drawing/2017/decorative" xmlns="" val="1"/>
               </a:ext>
             </a:extLst>
           </p:cNvPr>
@@ -9587,9 +9589,10 @@
           <a:lstStyle/>
           <a:p>
             <a:r>
-              <a:rPr lang="es-CO" sz="5400" dirty="0"/>
-              <a:t>EJERCICIO</a:t>
+              <a:rPr lang="es-CO" sz="5400" dirty="0" smtClean="0"/>
+              <a:t>Taller 2</a:t>
             </a:r>
+            <a:endParaRPr lang="es-CO" sz="5400" dirty="0"/>
           </a:p>
           <a:p>
             <a:r>
@@ -9688,7 +9691,7 @@
                 <a16:creationId xmlns:a16="http://schemas.microsoft.com/office/drawing/2014/main" id="{279CAF82-0ECF-42BE-8F37-F71941E5D410}"/>
               </a:ext>
               <a:ext uri="{C183D7F6-B498-43B3-948B-1728B52AA6E4}">
-                <adec:decorative xmlns:adec="http://schemas.microsoft.com/office/drawing/2017/decorative" val="1"/>
+                <adec:decorative xmlns:adec="http://schemas.microsoft.com/office/drawing/2017/decorative" xmlns="" val="1"/>
               </a:ext>
             </a:extLst>
           </p:cNvPr>
@@ -9870,7 +9873,7 @@
                 <a16:creationId xmlns:a16="http://schemas.microsoft.com/office/drawing/2014/main" id="{218E095B-4870-4AD5-9C41-C16D59523501}"/>
               </a:ext>
               <a:ext uri="{C183D7F6-B498-43B3-948B-1728B52AA6E4}">
-                <adec:decorative xmlns:adec="http://schemas.microsoft.com/office/drawing/2017/decorative" val="1"/>
+                <adec:decorative xmlns:adec="http://schemas.microsoft.com/office/drawing/2017/decorative" xmlns="" val="1"/>
               </a:ext>
             </a:extLst>
           </p:cNvPr>
@@ -10054,7 +10057,7 @@
                 <a16:creationId xmlns:a16="http://schemas.microsoft.com/office/drawing/2014/main" id="{FB9739EB-7F66-433D-841F-AB3CD18700B7}"/>
               </a:ext>
               <a:ext uri="{C183D7F6-B498-43B3-948B-1728B52AA6E4}">
-                <adec:decorative xmlns:adec="http://schemas.microsoft.com/office/drawing/2017/decorative" val="1"/>
+                <adec:decorative xmlns:adec="http://schemas.microsoft.com/office/drawing/2017/decorative" xmlns="" val="1"/>
               </a:ext>
             </a:extLst>
           </p:cNvPr>
@@ -10088,7 +10091,7 @@
                   <a16:creationId xmlns:a16="http://schemas.microsoft.com/office/drawing/2014/main" id="{104F2BBD-A005-4DCB-9566-F2351050BEE6}"/>
                 </a:ext>
                 <a:ext uri="{C183D7F6-B498-43B3-948B-1728B52AA6E4}">
-                  <adec:decorative xmlns:adec="http://schemas.microsoft.com/office/drawing/2017/decorative" val="1"/>
+                  <adec:decorative xmlns:adec="http://schemas.microsoft.com/office/drawing/2017/decorative" xmlns="" val="1"/>
                 </a:ext>
               </a:extLst>
             </p:cNvPr>
@@ -10175,7 +10178,7 @@
                   <a16:creationId xmlns:a16="http://schemas.microsoft.com/office/drawing/2014/main" id="{8B00DEC7-198B-49D1-98FD-018F3ECFCF4C}"/>
                 </a:ext>
                 <a:ext uri="{C183D7F6-B498-43B3-948B-1728B52AA6E4}">
-                  <adec:decorative xmlns:adec="http://schemas.microsoft.com/office/drawing/2017/decorative" val="1"/>
+                  <adec:decorative xmlns:adec="http://schemas.microsoft.com/office/drawing/2017/decorative" xmlns="" val="1"/>
                 </a:ext>
               </a:extLst>
             </p:cNvPr>
@@ -10262,7 +10265,7 @@
                   <a16:creationId xmlns:a16="http://schemas.microsoft.com/office/drawing/2014/main" id="{F14DFC82-B3B3-468E-91B3-1302CFC68468}"/>
                 </a:ext>
                 <a:ext uri="{C183D7F6-B498-43B3-948B-1728B52AA6E4}">
-                  <adec:decorative xmlns:adec="http://schemas.microsoft.com/office/drawing/2017/decorative" val="1"/>
+                  <adec:decorative xmlns:adec="http://schemas.microsoft.com/office/drawing/2017/decorative" xmlns="" val="1"/>
                 </a:ext>
               </a:extLst>
             </p:cNvPr>
@@ -10349,7 +10352,7 @@
                   <a16:creationId xmlns:a16="http://schemas.microsoft.com/office/drawing/2014/main" id="{D3250EFE-214E-4B8E-AF96-036A514FFB2D}"/>
                 </a:ext>
                 <a:ext uri="{C183D7F6-B498-43B3-948B-1728B52AA6E4}">
-                  <adec:decorative xmlns:adec="http://schemas.microsoft.com/office/drawing/2017/decorative" val="1"/>
+                  <adec:decorative xmlns:adec="http://schemas.microsoft.com/office/drawing/2017/decorative" xmlns="" val="1"/>
                 </a:ext>
               </a:extLst>
             </p:cNvPr>
@@ -10436,7 +10439,7 @@
                   <a16:creationId xmlns:a16="http://schemas.microsoft.com/office/drawing/2014/main" id="{AD058EBE-D4A5-4C43-B170-6A451F87A7B2}"/>
                 </a:ext>
                 <a:ext uri="{C183D7F6-B498-43B3-948B-1728B52AA6E4}">
-                  <adec:decorative xmlns:adec="http://schemas.microsoft.com/office/drawing/2017/decorative" val="1"/>
+                  <adec:decorative xmlns:adec="http://schemas.microsoft.com/office/drawing/2017/decorative" xmlns="" val="1"/>
                 </a:ext>
               </a:extLst>
             </p:cNvPr>
@@ -10524,7 +10527,7 @@
                 <a16:creationId xmlns:a16="http://schemas.microsoft.com/office/drawing/2014/main" id="{033BC44A-0661-43B4-9C14-FD5963C226AE}"/>
               </a:ext>
               <a:ext uri="{C183D7F6-B498-43B3-948B-1728B52AA6E4}">
-                <adec:decorative xmlns:adec="http://schemas.microsoft.com/office/drawing/2017/decorative" val="1"/>
+                <adec:decorative xmlns:adec="http://schemas.microsoft.com/office/drawing/2017/decorative" xmlns="" val="1"/>
               </a:ext>
             </a:extLst>
           </p:cNvPr>
@@ -10592,7 +10595,7 @@
                 <a16:creationId xmlns:a16="http://schemas.microsoft.com/office/drawing/2014/main" id="{BE8CB2F0-2F5A-4EBD-B214-E0309C31F578}"/>
               </a:ext>
               <a:ext uri="{C183D7F6-B498-43B3-948B-1728B52AA6E4}">
-                <adec:decorative xmlns:adec="http://schemas.microsoft.com/office/drawing/2017/decorative" val="1"/>
+                <adec:decorative xmlns:adec="http://schemas.microsoft.com/office/drawing/2017/decorative" xmlns="" val="1"/>
               </a:ext>
             </a:extLst>
           </p:cNvPr>
@@ -10664,7 +10667,7 @@
                 <a16:creationId xmlns:a16="http://schemas.microsoft.com/office/drawing/2014/main" id="{FFD3887D-244B-4EC4-9208-E304984C5D0F}"/>
               </a:ext>
               <a:ext uri="{C183D7F6-B498-43B3-948B-1728B52AA6E4}">
-                <adec:decorative xmlns:adec="http://schemas.microsoft.com/office/drawing/2017/decorative" val="1"/>
+                <adec:decorative xmlns:adec="http://schemas.microsoft.com/office/drawing/2017/decorative" xmlns="" val="1"/>
               </a:ext>
             </a:extLst>
           </p:cNvPr>
@@ -10813,7 +10816,7 @@
                 <a16:creationId xmlns:a16="http://schemas.microsoft.com/office/drawing/2014/main" id="{97224C31-855E-4593-8A58-5B2B0CC4F537}"/>
               </a:ext>
               <a:ext uri="{C183D7F6-B498-43B3-948B-1728B52AA6E4}">
-                <adec:decorative xmlns:adec="http://schemas.microsoft.com/office/drawing/2017/decorative" val="1"/>
+                <adec:decorative xmlns:adec="http://schemas.microsoft.com/office/drawing/2017/decorative" xmlns="" val="1"/>
               </a:ext>
             </a:extLst>
           </p:cNvPr>
@@ -10966,6 +10969,13 @@
   <p:clrMapOvr>
     <a:masterClrMapping/>
   </p:clrMapOvr>
+  <p:timing>
+    <p:tnLst>
+      <p:par>
+        <p:cTn id="1" dur="indefinite" restart="never" nodeType="tmRoot"/>
+      </p:par>
+    </p:tnLst>
+  </p:timing>
 </p:sld>
 </file>
 
@@ -11002,15 +11012,23 @@
             <p:ph type="title"/>
           </p:nvPr>
         </p:nvSpPr>
-        <p:spPr/>
+        <p:spPr>
+          <a:xfrm>
+            <a:off x="838200" y="365125"/>
+            <a:ext cx="11074400" cy="1325563"/>
+          </a:xfrm>
+        </p:spPr>
         <p:txBody>
-          <a:bodyPr/>
+          <a:bodyPr>
+            <a:normAutofit/>
+          </a:bodyPr>
           <a:lstStyle/>
           <a:p>
             <a:r>
-              <a:rPr lang="es-CO" dirty="0"/>
-              <a:t>ESCALAMIENTO VERTICAL</a:t>
+              <a:rPr lang="es-CO" sz="3600" dirty="0" smtClean="0"/>
+              <a:t>ESCALAMIENTO VERTICAL EN UNA ARQUITECTURA POR CAPAS Y MONOLÍTICA</a:t>
             </a:r>
+            <a:endParaRPr lang="es-CO" sz="3600" dirty="0"/>
           </a:p>
         </p:txBody>
       </p:sp>
@@ -11030,7 +11048,12 @@
             <p:ph idx="1"/>
           </p:nvPr>
         </p:nvSpPr>
-        <p:spPr/>
+        <p:spPr>
+          <a:xfrm>
+            <a:off x="838200" y="1825625"/>
+            <a:ext cx="10833100" cy="4351338"/>
+          </a:xfrm>
+        </p:spPr>
         <p:txBody>
           <a:bodyPr>
             <a:normAutofit/>
@@ -11038,10 +11061,10 @@
           <a:lstStyle/>
           <a:p>
             <a:r>
-              <a:rPr lang="es-MX" sz="2000" dirty="0"/>
-              <a:t>Es aumentar el hardware por uno más potente, como disco duro, memoria, procesador, etc. pero también puede ser la migración completa del hardware por uno más potente. El esfuerzo de este crecimiento es mínimo, pues no tiene repercusiones en el software, ya que solo será respaldar y migrar los sistemas al nuevo hardware.</a:t>
+              <a:rPr lang="es-CO" sz="2000" dirty="0"/>
+              <a:t>Como la aplicación es monolítica lo que quiere decir que esta creada para ser autosuficiente y cumplir para lo que fue diseñada sin depender de ningún externo, y al ser creada con la arquitectura de capas lo que quiere decir que cada capa es independiente, se podría hacer el escalamiento vertical para cada capa por separado dependiendo la complejidad que este necesite, y lo que vaya creciendo, mas que todo en su capa de datos, algunas empresas manejan bodega de datos (data warehouse),donde puede suceder que desborde la capacidad para almacenar, al hacer el escalamiento vertical se puede lanzar esta sola capa nuevamente sin que las demás sufran.</a:t>
             </a:r>
-            <a:endParaRPr lang="es-CO" sz="2000" dirty="0"/>
+            <a:endParaRPr lang="es-CO" sz="1600" dirty="0"/>
           </a:p>
         </p:txBody>
       </p:sp>
@@ -11067,7 +11090,7 @@
         </p:blipFill>
         <p:spPr>
           <a:xfrm>
-            <a:off x="838201" y="3323359"/>
+            <a:off x="5849218" y="4333586"/>
             <a:ext cx="4717182" cy="1969077"/>
           </a:xfrm>
           <a:prstGeom prst="rect">
@@ -11085,6 +11108,13 @@
   <p:clrMapOvr>
     <a:masterClrMapping/>
   </p:clrMapOvr>
+  <p:timing>
+    <p:tnLst>
+      <p:par>
+        <p:cTn id="1" dur="indefinite" restart="never" nodeType="tmRoot"/>
+      </p:par>
+    </p:tnLst>
+  </p:timing>
 </p:sld>
 </file>
 
@@ -11107,10 +11137,61 @@
       </p:grpSpPr>
       <p:sp>
         <p:nvSpPr>
+          <p:cNvPr id="2" name="Título 1">
+            <a:extLst>
+              <a:ext uri="{FF2B5EF4-FFF2-40B4-BE49-F238E27FC236}">
+                <a16:creationId xmlns:a16="http://schemas.microsoft.com/office/drawing/2014/main" id="{DE75D9E0-2E8A-453E-8571-780CFCFB9F22}"/>
+              </a:ext>
+            </a:extLst>
+          </p:cNvPr>
+          <p:cNvSpPr>
+            <a:spLocks noGrp="1"/>
+          </p:cNvSpPr>
+          <p:nvPr>
+            <p:ph type="title"/>
+          </p:nvPr>
+        </p:nvSpPr>
+        <p:spPr>
+          <a:xfrm>
+            <a:off x="838200" y="627062"/>
+            <a:ext cx="10972800" cy="1325563"/>
+          </a:xfrm>
+        </p:spPr>
+        <p:txBody>
+          <a:bodyPr>
+            <a:normAutofit fontScale="90000"/>
+          </a:bodyPr>
+          <a:lstStyle/>
+          <a:p>
+            <a:r>
+              <a:rPr lang="es-CO" sz="4000" dirty="0" smtClean="0"/>
+              <a:t>ESCALAMIENTO </a:t>
+            </a:r>
+            <a:r>
+              <a:rPr lang="es-CO" sz="4000" dirty="0"/>
+              <a:t>HORIZONTAL </a:t>
+            </a:r>
+            <a:r>
+              <a:rPr lang="es-CO" sz="4000" dirty="0" smtClean="0"/>
+              <a:t>EN UNA ARQUITECTURA POR CAPAS Y MONOLÍTICA.</a:t>
+            </a:r>
+            <a:r>
+              <a:rPr lang="es-CO" dirty="0"/>
+              <a:t/>
+            </a:r>
+            <a:br>
+              <a:rPr lang="es-CO" dirty="0"/>
+            </a:br>
+            <a:endParaRPr lang="es-CO" dirty="0"/>
+          </a:p>
+        </p:txBody>
+      </p:sp>
+      <p:sp>
+        <p:nvSpPr>
           <p:cNvPr id="3" name="Marcador de contenido 2">
             <a:extLst>
               <a:ext uri="{FF2B5EF4-FFF2-40B4-BE49-F238E27FC236}">
-                <a16:creationId xmlns:a16="http://schemas.microsoft.com/office/drawing/2014/main" id="{F19A8A0C-57DE-4F75-8C0C-4A0AA7D90F5C}"/>
+                <a16:creationId xmlns:a16="http://schemas.microsoft.com/office/drawing/2014/main" id="{095E5232-86F8-4512-801D-4169867B32D1}"/>
               </a:ext>
             </a:extLst>
           </p:cNvPr>
@@ -11121,147 +11202,61 @@
             <p:ph idx="1"/>
           </p:nvPr>
         </p:nvSpPr>
-        <p:spPr>
-          <a:xfrm>
-            <a:off x="990600" y="1136073"/>
-            <a:ext cx="10515600" cy="4375872"/>
-          </a:xfrm>
-        </p:spPr>
+        <p:spPr/>
         <p:txBody>
           <a:bodyPr>
             <a:normAutofit/>
           </a:bodyPr>
           <a:lstStyle/>
           <a:p>
-            <a:pPr fontAlgn="t">
-              <a:buFont typeface="Wingdings" panose="05000000000000000000" pitchFamily="2" charset="2"/>
-              <a:buChar char="§"/>
-            </a:pPr>
             <a:r>
-              <a:rPr lang="es-MX" sz="3200" b="1" i="0" dirty="0">
-                <a:solidFill>
-                  <a:srgbClr val="000000"/>
-                </a:solidFill>
-                <a:effectLst/>
-                <a:latin typeface="inherit"/>
-              </a:rPr>
-              <a:t>Ventajas</a:t>
+              <a:rPr lang="es-MX" sz="2000" dirty="0"/>
+              <a:t> </a:t>
             </a:r>
             <a:r>
-              <a:rPr lang="es-MX" sz="5200" b="1" i="0" dirty="0">
-                <a:solidFill>
-                  <a:srgbClr val="000000"/>
-                </a:solidFill>
-                <a:effectLst/>
-                <a:latin typeface="inherit"/>
-              </a:rPr>
-              <a:t>:</a:t>
+              <a:rPr lang="es-MX" sz="2000" dirty="0"/>
+              <a:t>Se dejaría cada capa independiente en un nodo, todas conectadas entre sí para llegar al mismo fin, esto sería muy cotoso pero funcional, ya que al sufrir un daño en alguno de sus nodos este seria remplazado sin problemas, no tendría afectación el código de la app, sería menos vulnerable a ataques. </a:t>
             </a:r>
-            <a:endParaRPr lang="es-MX" sz="5200" b="1" i="0" dirty="0">
-              <a:solidFill>
-                <a:srgbClr val="000000"/>
-              </a:solidFill>
-              <a:effectLst/>
-              <a:latin typeface="os"/>
-            </a:endParaRPr>
-          </a:p>
-          <a:p>
-            <a:pPr lvl="1" fontAlgn="t"/>
-            <a:r>
-              <a:rPr lang="es-MX" b="0" i="0" dirty="0">
-                <a:solidFill>
-                  <a:srgbClr val="000000"/>
-                </a:solidFill>
-                <a:effectLst/>
-                <a:latin typeface="inherit"/>
-              </a:rPr>
-              <a:t>Facilidad de implementación y configuración.</a:t>
-            </a:r>
-          </a:p>
-          <a:p>
-            <a:pPr lvl="1" fontAlgn="t"/>
-            <a:r>
-              <a:rPr lang="es-MX" b="0" i="0" dirty="0">
-                <a:solidFill>
-                  <a:srgbClr val="000000"/>
-                </a:solidFill>
-                <a:effectLst/>
-                <a:latin typeface="inherit"/>
-              </a:rPr>
-              <a:t>No requiere un diseño específico en la aplicación y su arquitectura para funcionar.</a:t>
-            </a:r>
-          </a:p>
-          <a:p>
-            <a:pPr lvl="1" fontAlgn="t"/>
-            <a:r>
-              <a:rPr lang="es-MX" b="0" i="0" dirty="0">
-                <a:solidFill>
-                  <a:srgbClr val="000000"/>
-                </a:solidFill>
-                <a:effectLst/>
-                <a:latin typeface="inherit"/>
-              </a:rPr>
-              <a:t>Puede ser más económico.</a:t>
-            </a:r>
-          </a:p>
-          <a:p>
-            <a:pPr fontAlgn="t">
-              <a:buFont typeface="Wingdings" panose="05000000000000000000" pitchFamily="2" charset="2"/>
-              <a:buChar char="§"/>
-            </a:pPr>
-            <a:r>
-              <a:rPr lang="es-MX" sz="3200" b="1" i="0" dirty="0">
-                <a:solidFill>
-                  <a:srgbClr val="000000"/>
-                </a:solidFill>
-                <a:effectLst/>
-                <a:latin typeface="inherit"/>
-              </a:rPr>
-              <a:t>Desventajas:</a:t>
-            </a:r>
-            <a:endParaRPr lang="es-MX" sz="3200" b="1" i="0" dirty="0">
-              <a:solidFill>
-                <a:srgbClr val="000000"/>
-              </a:solidFill>
-              <a:effectLst/>
-              <a:latin typeface="os"/>
-            </a:endParaRPr>
-          </a:p>
-          <a:p>
-            <a:pPr lvl="1" fontAlgn="t"/>
-            <a:r>
-              <a:rPr lang="es-MX" b="0" i="0" dirty="0">
-                <a:solidFill>
-                  <a:srgbClr val="000000"/>
-                </a:solidFill>
-                <a:effectLst/>
-                <a:latin typeface="inherit"/>
-              </a:rPr>
-              <a:t>Está limitado a la capacidad de un único servidor.</a:t>
-            </a:r>
-          </a:p>
-          <a:p>
-            <a:pPr lvl="1" fontAlgn="t"/>
-            <a:r>
-              <a:rPr lang="es-MX" b="0" i="0" dirty="0">
-                <a:solidFill>
-                  <a:srgbClr val="000000"/>
-                </a:solidFill>
-                <a:effectLst/>
-                <a:latin typeface="inherit"/>
-              </a:rPr>
-              <a:t>No aporta beneficios en relación a la alta disponibilidad.</a:t>
-            </a:r>
-          </a:p>
-          <a:p>
-            <a:endParaRPr lang="es-CO" dirty="0"/>
+          </a:p>
+          <a:p>
+            <a:endParaRPr lang="es-CO" sz="2000" dirty="0"/>
           </a:p>
         </p:txBody>
       </p:sp>
+      <p:pic>
+        <p:nvPicPr>
+          <p:cNvPr id="4" name="Imagen 3">
+            <a:extLst>
+              <a:ext uri="{FF2B5EF4-FFF2-40B4-BE49-F238E27FC236}">
+                <a16:creationId xmlns:a16="http://schemas.microsoft.com/office/drawing/2014/main" id="{74EE6F64-97DD-4FA9-85C1-E2D1D7FC472D}"/>
+              </a:ext>
+            </a:extLst>
+          </p:cNvPr>
+          <p:cNvPicPr>
+            <a:picLocks noChangeAspect="1"/>
+          </p:cNvPicPr>
+          <p:nvPr/>
+        </p:nvPicPr>
+        <p:blipFill>
+          <a:blip r:embed="rId2"/>
+          <a:stretch>
+            <a:fillRect/>
+          </a:stretch>
+        </p:blipFill>
+        <p:spPr>
+          <a:xfrm>
+            <a:off x="3833589" y="3519199"/>
+            <a:ext cx="4982022" cy="2084676"/>
+          </a:xfrm>
+          <a:prstGeom prst="rect">
+            <a:avLst/>
+          </a:prstGeom>
+        </p:spPr>
+      </p:pic>
     </p:spTree>
     <p:extLst>
       <p:ext uri="{BB962C8B-B14F-4D97-AF65-F5344CB8AC3E}">
-        <p14:creationId xmlns:p14="http://schemas.microsoft.com/office/powerpoint/2010/main" val="1317648341"/>
+        <p14:creationId xmlns:p14="http://schemas.microsoft.com/office/powerpoint/2010/main" val="3829046230"/>
       </p:ext>
     </p:extLst>
   </p:cSld>
@@ -11293,7 +11288,7 @@
           <p:cNvPr id="2" name="Título 1">
             <a:extLst>
               <a:ext uri="{FF2B5EF4-FFF2-40B4-BE49-F238E27FC236}">
-                <a16:creationId xmlns:a16="http://schemas.microsoft.com/office/drawing/2014/main" id="{DE75D9E0-2E8A-453E-8571-780CFCFB9F22}"/>
+                <a16:creationId xmlns:a16="http://schemas.microsoft.com/office/drawing/2014/main" id="{19695CC3-8C50-4995-B95B-C9FDA5D87B4E}"/>
               </a:ext>
             </a:extLst>
           </p:cNvPr>
@@ -11304,15 +11299,24 @@
             <p:ph type="title"/>
           </p:nvPr>
         </p:nvSpPr>
-        <p:spPr/>
+        <p:spPr>
+          <a:xfrm>
+            <a:off x="838200" y="60325"/>
+            <a:ext cx="10515600" cy="1602220"/>
+          </a:xfrm>
+        </p:spPr>
         <p:txBody>
-          <a:bodyPr/>
+          <a:bodyPr>
+            <a:normAutofit/>
+          </a:bodyPr>
           <a:lstStyle/>
           <a:p>
+            <a:pPr algn="ctr"/>
             <a:r>
-              <a:rPr lang="es-CO" dirty="0"/>
-              <a:t> ESCALAMIENTO HORIZONTAL </a:t>
+              <a:rPr lang="es-CO" sz="3600" dirty="0" smtClean="0"/>
+              <a:t>LOAD BALANCER</a:t>
             </a:r>
+            <a:endParaRPr lang="es-CO" sz="3200" dirty="0"/>
           </a:p>
         </p:txBody>
       </p:sp>
@@ -11321,7 +11325,7 @@
           <p:cNvPr id="3" name="Marcador de contenido 2">
             <a:extLst>
               <a:ext uri="{FF2B5EF4-FFF2-40B4-BE49-F238E27FC236}">
-                <a16:creationId xmlns:a16="http://schemas.microsoft.com/office/drawing/2014/main" id="{095E5232-86F8-4512-801D-4169867B32D1}"/>
+                <a16:creationId xmlns:a16="http://schemas.microsoft.com/office/drawing/2014/main" id="{88A308D4-A414-4C1A-9A3D-EDAE70548204}"/>
               </a:ext>
             </a:extLst>
           </p:cNvPr>
@@ -11332,20 +11336,22 @@
             <p:ph idx="1"/>
           </p:nvPr>
         </p:nvSpPr>
-        <p:spPr/>
+        <p:spPr>
+          <a:xfrm>
+            <a:off x="736600" y="1653309"/>
+            <a:ext cx="5092700" cy="3101254"/>
+          </a:xfrm>
+        </p:spPr>
         <p:txBody>
           <a:bodyPr>
-            <a:normAutofit/>
+            <a:noAutofit/>
           </a:bodyPr>
           <a:lstStyle/>
           <a:p>
             <a:r>
-              <a:rPr lang="es-MX" sz="2000" dirty="0"/>
-              <a:t> Este modelo implica tener varios servidores (conocidos como Nodos) trabajando como un todo. Se crea una red de servidores conocida como Cluster, con la finalidad de repartirse el trabajo entre todos nodos del cluster, cuando el performance del cluster se ve afectada con el incremento de usuarios, se añaden nuevos nodos al cluster, de esta forma a medida que es requeridos, más y más nodos son agregados al cluster.</a:t>
+              <a:rPr lang="es-CO" sz="2000" dirty="0"/>
+              <a:t>Para este caso el balanceador va a recibir varias peticiones (Request) por parte de los clientes, y este a su vez va a determinar que nodo esta libre para balancear las cargas y que no le lleguen todos a uno solo, lo plante con una base de datos por aparte para que al momento de ataques sea más difícil llegar a los datos, la base de datos envía la respuesta (Response), la capa lógica la recibe, la capa de presentación la transforma y la muestra al cliente en forma que el la pueda entender. </a:t>
             </a:r>
-          </a:p>
-          <a:p>
-            <a:endParaRPr lang="es-MX" sz="2000" dirty="0"/>
           </a:p>
           <a:p>
             <a:endParaRPr lang="es-CO" sz="2000" dirty="0"/>
@@ -11354,13 +11360,7 @@
       </p:sp>
       <p:pic>
         <p:nvPicPr>
-          <p:cNvPr id="4" name="Imagen 3">
-            <a:extLst>
-              <a:ext uri="{FF2B5EF4-FFF2-40B4-BE49-F238E27FC236}">
-                <a16:creationId xmlns:a16="http://schemas.microsoft.com/office/drawing/2014/main" id="{74EE6F64-97DD-4FA9-85C1-E2D1D7FC472D}"/>
-              </a:ext>
-            </a:extLst>
-          </p:cNvPr>
+          <p:cNvPr id="5" name="Imagen 4"/>
           <p:cNvPicPr>
             <a:picLocks noChangeAspect="1"/>
           </p:cNvPicPr>
@@ -11374,8 +11374,8 @@
         </p:blipFill>
         <p:spPr>
           <a:xfrm>
-            <a:off x="5327074" y="4408199"/>
-            <a:ext cx="4982022" cy="2084676"/>
+            <a:off x="5829300" y="1447443"/>
+            <a:ext cx="5887272" cy="5106113"/>
           </a:xfrm>
           <a:prstGeom prst="rect">
             <a:avLst/>
@@ -11385,482 +11385,7 @@
     </p:spTree>
     <p:extLst>
       <p:ext uri="{BB962C8B-B14F-4D97-AF65-F5344CB8AC3E}">
-        <p14:creationId xmlns:p14="http://schemas.microsoft.com/office/powerpoint/2010/main" val="3829046230"/>
-      </p:ext>
-    </p:extLst>
-  </p:cSld>
-  <p:clrMapOvr>
-    <a:masterClrMapping/>
-  </p:clrMapOvr>
-</p:sld>
-</file>
-
-<file path=ppt/slides/slide5.xml><?xml version="1.0" encoding="utf-8"?>
-<p:sld xmlns:a="http://schemas.openxmlformats.org/drawingml/2006/main" xmlns:r="http://schemas.openxmlformats.org/officeDocument/2006/relationships" xmlns:p="http://schemas.openxmlformats.org/presentationml/2006/main">
-  <p:cSld>
-    <p:spTree>
-      <p:nvGrpSpPr>
-        <p:cNvPr id="1" name=""/>
-        <p:cNvGrpSpPr/>
-        <p:nvPr/>
-      </p:nvGrpSpPr>
-      <p:grpSpPr>
-        <a:xfrm>
-          <a:off x="0" y="0"/>
-          <a:ext cx="0" cy="0"/>
-          <a:chOff x="0" y="0"/>
-          <a:chExt cx="0" cy="0"/>
-        </a:xfrm>
-      </p:grpSpPr>
-      <p:sp>
-        <p:nvSpPr>
-          <p:cNvPr id="3" name="Marcador de contenido 2">
-            <a:extLst>
-              <a:ext uri="{FF2B5EF4-FFF2-40B4-BE49-F238E27FC236}">
-                <a16:creationId xmlns:a16="http://schemas.microsoft.com/office/drawing/2014/main" id="{6D4013D9-2BDE-420E-8789-798951609D2A}"/>
-              </a:ext>
-            </a:extLst>
-          </p:cNvPr>
-          <p:cNvSpPr>
-            <a:spLocks noGrp="1"/>
-          </p:cNvSpPr>
-          <p:nvPr>
-            <p:ph idx="1"/>
-          </p:nvPr>
-        </p:nvSpPr>
-        <p:spPr>
-          <a:xfrm>
-            <a:off x="838200" y="869661"/>
-            <a:ext cx="10515600" cy="4351338"/>
-          </a:xfrm>
-        </p:spPr>
-        <p:txBody>
-          <a:bodyPr>
-            <a:normAutofit fontScale="62500" lnSpcReduction="20000"/>
-          </a:bodyPr>
-          <a:lstStyle/>
-          <a:p>
-            <a:pPr algn="l">
-              <a:buFont typeface="Wingdings" panose="05000000000000000000" pitchFamily="2" charset="2"/>
-              <a:buChar char="§"/>
-            </a:pPr>
-            <a:r>
-              <a:rPr lang="es-MX" sz="5100" b="1" i="0" dirty="0">
-                <a:effectLst/>
-                <a:latin typeface="+mj-lt"/>
-              </a:rPr>
-              <a:t>Ventajas:</a:t>
-            </a:r>
-            <a:endParaRPr lang="es-MX" sz="5100" b="0" i="0" dirty="0">
-              <a:effectLst/>
-              <a:latin typeface="+mj-lt"/>
-            </a:endParaRPr>
-          </a:p>
-          <a:p>
-            <a:pPr algn="l">
-              <a:buFont typeface="Arial" panose="020B0604020202020204" pitchFamily="34" charset="0"/>
-              <a:buChar char="•"/>
-            </a:pPr>
-            <a:r>
-              <a:rPr lang="es-MX" b="0" i="0" dirty="0">
-                <a:effectLst/>
-                <a:latin typeface="+mj-lt"/>
-              </a:rPr>
-              <a:t>El crecimiento es prácticamente infinito, podríamos agregar cuantos servidores sean necesarios</a:t>
-            </a:r>
-          </a:p>
-          <a:p>
-            <a:pPr algn="l">
-              <a:buFont typeface="Arial" panose="020B0604020202020204" pitchFamily="34" charset="0"/>
-              <a:buChar char="•"/>
-            </a:pPr>
-            <a:r>
-              <a:rPr lang="es-MX" b="0" i="0" dirty="0">
-                <a:effectLst/>
-                <a:latin typeface="+mj-lt"/>
-              </a:rPr>
-              <a:t>Es posible combinarse con el escalamiento vertical.</a:t>
-            </a:r>
-          </a:p>
-          <a:p>
-            <a:pPr algn="l">
-              <a:buFont typeface="Arial" panose="020B0604020202020204" pitchFamily="34" charset="0"/>
-              <a:buChar char="•"/>
-            </a:pPr>
-            <a:r>
-              <a:rPr lang="es-MX" b="0" i="0" dirty="0">
-                <a:effectLst/>
-                <a:latin typeface="+mj-lt"/>
-              </a:rPr>
-              <a:t>Soporta la alta disponibilidad</a:t>
-            </a:r>
-          </a:p>
-          <a:p>
-            <a:pPr algn="l"/>
-            <a:r>
-              <a:rPr lang="es-MX" b="0" i="0" dirty="0">
-                <a:effectLst/>
-                <a:latin typeface="+mj-lt"/>
-              </a:rPr>
-              <a:t> </a:t>
-            </a:r>
-          </a:p>
-          <a:p>
-            <a:pPr algn="l">
-              <a:buFont typeface="Wingdings" panose="05000000000000000000" pitchFamily="2" charset="2"/>
-              <a:buChar char="§"/>
-            </a:pPr>
-            <a:r>
-              <a:rPr lang="es-MX" sz="5100" b="1" i="0" dirty="0">
-                <a:effectLst/>
-                <a:latin typeface="+mj-lt"/>
-              </a:rPr>
-              <a:t>Desventajas</a:t>
-            </a:r>
-            <a:r>
-              <a:rPr lang="es-MX" sz="5100" b="0" i="0" dirty="0">
-                <a:effectLst/>
-                <a:latin typeface="+mj-lt"/>
-              </a:rPr>
-              <a:t>:</a:t>
-            </a:r>
-          </a:p>
-          <a:p>
-            <a:pPr algn="l">
-              <a:buFont typeface="Arial" panose="020B0604020202020204" pitchFamily="34" charset="0"/>
-              <a:buChar char="•"/>
-            </a:pPr>
-            <a:r>
-              <a:rPr lang="es-MX" b="0" i="0" dirty="0">
-                <a:effectLst/>
-                <a:latin typeface="+mj-lt"/>
-              </a:rPr>
-              <a:t>Requiere de mucho mantenimiento</a:t>
-            </a:r>
-          </a:p>
-          <a:p>
-            <a:pPr algn="l">
-              <a:buFont typeface="Arial" panose="020B0604020202020204" pitchFamily="34" charset="0"/>
-              <a:buChar char="•"/>
-            </a:pPr>
-            <a:r>
-              <a:rPr lang="es-MX" b="0" i="0" dirty="0">
-                <a:effectLst/>
-                <a:latin typeface="+mj-lt"/>
-              </a:rPr>
-              <a:t>Es difícil de configurar</a:t>
-            </a:r>
-          </a:p>
-          <a:p>
-            <a:pPr algn="l">
-              <a:buFont typeface="Arial" panose="020B0604020202020204" pitchFamily="34" charset="0"/>
-              <a:buChar char="•"/>
-            </a:pPr>
-            <a:r>
-              <a:rPr lang="es-MX" b="0" i="0" dirty="0">
-                <a:effectLst/>
-                <a:latin typeface="+mj-lt"/>
-              </a:rPr>
-              <a:t>Requiere de grandes cambios en las aplicaciones (si no fueron diseñadas para trabajar en cluster)</a:t>
-            </a:r>
-          </a:p>
-          <a:p>
-            <a:endParaRPr lang="es-CO" dirty="0"/>
-          </a:p>
-        </p:txBody>
-      </p:sp>
-    </p:spTree>
-    <p:extLst>
-      <p:ext uri="{BB962C8B-B14F-4D97-AF65-F5344CB8AC3E}">
-        <p14:creationId xmlns:p14="http://schemas.microsoft.com/office/powerpoint/2010/main" val="2560630818"/>
-      </p:ext>
-    </p:extLst>
-  </p:cSld>
-  <p:clrMapOvr>
-    <a:masterClrMapping/>
-  </p:clrMapOvr>
-</p:sld>
-</file>
-
-<file path=ppt/slides/slide6.xml><?xml version="1.0" encoding="utf-8"?>
-<p:sld xmlns:a="http://schemas.openxmlformats.org/drawingml/2006/main" xmlns:r="http://schemas.openxmlformats.org/officeDocument/2006/relationships" xmlns:p="http://schemas.openxmlformats.org/presentationml/2006/main">
-  <p:cSld>
-    <p:spTree>
-      <p:nvGrpSpPr>
-        <p:cNvPr id="1" name=""/>
-        <p:cNvGrpSpPr/>
-        <p:nvPr/>
-      </p:nvGrpSpPr>
-      <p:grpSpPr>
-        <a:xfrm>
-          <a:off x="0" y="0"/>
-          <a:ext cx="0" cy="0"/>
-          <a:chOff x="0" y="0"/>
-          <a:chExt cx="0" cy="0"/>
-        </a:xfrm>
-      </p:grpSpPr>
-      <p:sp>
-        <p:nvSpPr>
-          <p:cNvPr id="2" name="Título 1">
-            <a:extLst>
-              <a:ext uri="{FF2B5EF4-FFF2-40B4-BE49-F238E27FC236}">
-                <a16:creationId xmlns:a16="http://schemas.microsoft.com/office/drawing/2014/main" id="{19695CC3-8C50-4995-B95B-C9FDA5D87B4E}"/>
-              </a:ext>
-            </a:extLst>
-          </p:cNvPr>
-          <p:cNvSpPr>
-            <a:spLocks noGrp="1"/>
-          </p:cNvSpPr>
-          <p:nvPr>
-            <p:ph type="title"/>
-          </p:nvPr>
-        </p:nvSpPr>
-        <p:spPr>
-          <a:xfrm>
-            <a:off x="838200" y="365125"/>
-            <a:ext cx="10515600" cy="1602220"/>
-          </a:xfrm>
-        </p:spPr>
-        <p:txBody>
-          <a:bodyPr>
-            <a:normAutofit/>
-          </a:bodyPr>
-          <a:lstStyle/>
-          <a:p>
-            <a:pPr algn="ctr"/>
-            <a:r>
-              <a:rPr lang="es-MX" sz="4000" dirty="0"/>
-              <a:t>LOAD BALANCER EN UNA APLICACIÓN MONOLÍTICA</a:t>
-            </a:r>
-            <a:endParaRPr lang="es-CO" sz="4000" dirty="0"/>
-          </a:p>
-        </p:txBody>
-      </p:sp>
-      <p:sp>
-        <p:nvSpPr>
-          <p:cNvPr id="3" name="Marcador de contenido 2">
-            <a:extLst>
-              <a:ext uri="{FF2B5EF4-FFF2-40B4-BE49-F238E27FC236}">
-                <a16:creationId xmlns:a16="http://schemas.microsoft.com/office/drawing/2014/main" id="{88A308D4-A414-4C1A-9A3D-EDAE70548204}"/>
-              </a:ext>
-            </a:extLst>
-          </p:cNvPr>
-          <p:cNvSpPr>
-            <a:spLocks noGrp="1"/>
-          </p:cNvSpPr>
-          <p:nvPr>
-            <p:ph idx="1"/>
-          </p:nvPr>
-        </p:nvSpPr>
-        <p:spPr>
-          <a:xfrm>
-            <a:off x="838200" y="3075709"/>
-            <a:ext cx="10515600" cy="3101254"/>
-          </a:xfrm>
-        </p:spPr>
-        <p:txBody>
-          <a:bodyPr>
-            <a:normAutofit/>
-          </a:bodyPr>
-          <a:lstStyle/>
-          <a:p>
-            <a:r>
-              <a:rPr lang="es-MX" sz="2000" b="0" i="0" dirty="0">
-                <a:solidFill>
-                  <a:srgbClr val="212529"/>
-                </a:solidFill>
-                <a:effectLst/>
-                <a:latin typeface="Roboto"/>
-              </a:rPr>
-              <a:t>Cualquier aplicación diseñada para ser escalable requiere implementar mecanismos que le ayuden a agregar más poder de procesamiento de una forma fácil y que no afecta la operación. Por otro lado, las aplicaciones deben de estar diseñadas para ser robustas y con una alta disponibilidad, lo que quiere decir que si un servidor falla no debería de comprometer la operación. </a:t>
-            </a:r>
-            <a:endParaRPr lang="es-CO" sz="2000" dirty="0"/>
-          </a:p>
-        </p:txBody>
-      </p:sp>
-    </p:spTree>
-    <p:extLst>
-      <p:ext uri="{BB962C8B-B14F-4D97-AF65-F5344CB8AC3E}">
         <p14:creationId xmlns:p14="http://schemas.microsoft.com/office/powerpoint/2010/main" val="3558209077"/>
-      </p:ext>
-    </p:extLst>
-  </p:cSld>
-  <p:clrMapOvr>
-    <a:masterClrMapping/>
-  </p:clrMapOvr>
-</p:sld>
-</file>
-
-<file path=ppt/slides/slide7.xml><?xml version="1.0" encoding="utf-8"?>
-<p:sld xmlns:a="http://schemas.openxmlformats.org/drawingml/2006/main" xmlns:r="http://schemas.openxmlformats.org/officeDocument/2006/relationships" xmlns:p="http://schemas.openxmlformats.org/presentationml/2006/main">
-  <p:cSld>
-    <p:spTree>
-      <p:nvGrpSpPr>
-        <p:cNvPr id="1" name=""/>
-        <p:cNvGrpSpPr/>
-        <p:nvPr/>
-      </p:nvGrpSpPr>
-      <p:grpSpPr>
-        <a:xfrm>
-          <a:off x="0" y="0"/>
-          <a:ext cx="0" cy="0"/>
-          <a:chOff x="0" y="0"/>
-          <a:chExt cx="0" cy="0"/>
-        </a:xfrm>
-      </p:grpSpPr>
-      <p:sp>
-        <p:nvSpPr>
-          <p:cNvPr id="2" name="Título 1">
-            <a:extLst>
-              <a:ext uri="{FF2B5EF4-FFF2-40B4-BE49-F238E27FC236}">
-                <a16:creationId xmlns:a16="http://schemas.microsoft.com/office/drawing/2014/main" id="{79BF08EC-9ECD-490D-91F6-B31DB513FB43}"/>
-              </a:ext>
-            </a:extLst>
-          </p:cNvPr>
-          <p:cNvSpPr>
-            <a:spLocks noGrp="1"/>
-          </p:cNvSpPr>
-          <p:nvPr>
-            <p:ph type="title"/>
-          </p:nvPr>
-        </p:nvSpPr>
-        <p:spPr/>
-        <p:txBody>
-          <a:bodyPr/>
-          <a:lstStyle/>
-          <a:p>
-            <a:r>
-              <a:rPr lang="es-CO" dirty="0"/>
-              <a:t>ESCALAR UNA APLICACIÓN MONOLÍTICA</a:t>
-            </a:r>
-          </a:p>
-        </p:txBody>
-      </p:sp>
-      <p:sp>
-        <p:nvSpPr>
-          <p:cNvPr id="3" name="Marcador de contenido 2">
-            <a:extLst>
-              <a:ext uri="{FF2B5EF4-FFF2-40B4-BE49-F238E27FC236}">
-                <a16:creationId xmlns:a16="http://schemas.microsoft.com/office/drawing/2014/main" id="{6A4A95DD-DDD7-4D64-8EE8-F42DD98B4986}"/>
-              </a:ext>
-            </a:extLst>
-          </p:cNvPr>
-          <p:cNvSpPr>
-            <a:spLocks noGrp="1"/>
-          </p:cNvSpPr>
-          <p:nvPr>
-            <p:ph idx="1"/>
-          </p:nvPr>
-        </p:nvSpPr>
-        <p:spPr/>
-        <p:txBody>
-          <a:bodyPr>
-            <a:normAutofit/>
-          </a:bodyPr>
-          <a:lstStyle/>
-          <a:p>
-            <a:r>
-              <a:rPr lang="es-MX" sz="1800" b="0" i="0" dirty="0">
-                <a:solidFill>
-                  <a:srgbClr val="333333"/>
-                </a:solidFill>
-                <a:effectLst/>
-                <a:latin typeface="verdana" panose="020B0604030504040204" pitchFamily="34" charset="0"/>
-              </a:rPr>
-              <a:t>"</a:t>
-            </a:r>
-            <a:r>
-              <a:rPr lang="es-MX" sz="1800" b="0" i="1" dirty="0">
-                <a:solidFill>
-                  <a:srgbClr val="333333"/>
-                </a:solidFill>
-                <a:effectLst/>
-                <a:latin typeface="verdana" panose="020B0604030504040204" pitchFamily="34" charset="0"/>
-              </a:rPr>
-              <a:t>Se deben reunir aquellas cosas que cambian por la misma razón y separar aquellas cosas que cambian por diferentes razones</a:t>
-            </a:r>
-            <a:r>
-              <a:rPr lang="es-MX" sz="1800" b="0" i="0" dirty="0">
-                <a:solidFill>
-                  <a:srgbClr val="333333"/>
-                </a:solidFill>
-                <a:effectLst/>
-                <a:latin typeface="verdana" panose="020B0604030504040204" pitchFamily="34" charset="0"/>
-              </a:rPr>
-              <a:t>". </a:t>
-            </a:r>
-            <a:endParaRPr lang="es-MX" dirty="0">
-              <a:solidFill>
-                <a:srgbClr val="333333"/>
-              </a:solidFill>
-              <a:latin typeface="verdana" panose="020B0604030504040204" pitchFamily="34" charset="0"/>
-            </a:endParaRPr>
-          </a:p>
-          <a:p>
-            <a:r>
-              <a:rPr lang="es-MX" sz="1700" b="0" i="0" dirty="0">
-                <a:solidFill>
-                  <a:srgbClr val="333333"/>
-                </a:solidFill>
-                <a:effectLst/>
-                <a:latin typeface="verdana" panose="020B0604030504040204" pitchFamily="34" charset="0"/>
-              </a:rPr>
-              <a:t>En definitiva, esto indica que un subsistema, módulo, clase o incluso una función, no debe  tener más de una razón para cambiar. Este principio rige también para los microservicios lo que permite enfocar nuestros límites del servicio en los límites de la funcionalidad de negocio y al mantener este servicio centrado en estos límites explícitos evitamos que crezcan más de lo debido.</a:t>
-            </a:r>
-            <a:br>
-              <a:rPr lang="es-MX" sz="1700" dirty="0"/>
-            </a:br>
-            <a:r>
-              <a:rPr lang="es-MX" sz="1700" b="0" i="0" dirty="0">
-                <a:solidFill>
-                  <a:srgbClr val="333333"/>
-                </a:solidFill>
-                <a:effectLst/>
-                <a:latin typeface="verdana" panose="020B0604030504040204" pitchFamily="34" charset="0"/>
-              </a:rPr>
-              <a:t>Por este motivo, se dice que los microservicios son pequeños servicios que están focalizados en hacer una sola cosa bien.</a:t>
-            </a:r>
-            <a:br>
-              <a:rPr lang="es-MX" sz="1700" dirty="0"/>
-            </a:br>
-            <a:endParaRPr lang="es-CO" sz="1700" dirty="0"/>
-          </a:p>
-        </p:txBody>
-      </p:sp>
-      <p:pic>
-        <p:nvPicPr>
-          <p:cNvPr id="4" name="Imagen 3">
-            <a:extLst>
-              <a:ext uri="{FF2B5EF4-FFF2-40B4-BE49-F238E27FC236}">
-                <a16:creationId xmlns:a16="http://schemas.microsoft.com/office/drawing/2014/main" id="{2AF8BBB6-EC00-49B9-AA2E-4322579A1E29}"/>
-              </a:ext>
-            </a:extLst>
-          </p:cNvPr>
-          <p:cNvPicPr>
-            <a:picLocks noChangeAspect="1"/>
-          </p:cNvPicPr>
-          <p:nvPr/>
-        </p:nvPicPr>
-        <p:blipFill>
-          <a:blip r:embed="rId2"/>
-          <a:stretch>
-            <a:fillRect/>
-          </a:stretch>
-        </p:blipFill>
-        <p:spPr>
-          <a:xfrm>
-            <a:off x="5303070" y="4325914"/>
-            <a:ext cx="2469330" cy="1851049"/>
-          </a:xfrm>
-          <a:prstGeom prst="rect">
-            <a:avLst/>
-          </a:prstGeom>
-        </p:spPr>
-      </p:pic>
-    </p:spTree>
-    <p:extLst>
-      <p:ext uri="{BB962C8B-B14F-4D97-AF65-F5344CB8AC3E}">
-        <p14:creationId xmlns:p14="http://schemas.microsoft.com/office/powerpoint/2010/main" val="3940147791"/>
       </p:ext>
     </p:extLst>
   </p:cSld>
